--- a/倒れる.pptx
+++ b/倒れる.pptx
@@ -9,6 +9,7 @@
     <p:sldId id="257" r:id="rId3"/>
     <p:sldId id="260" r:id="rId4"/>
     <p:sldId id="261" r:id="rId5"/>
+    <p:sldId id="262" r:id="rId6"/>
   </p:sldIdLst>
   <p:sldSz cx="12192000" cy="6858000"/>
   <p:notesSz cx="6858000" cy="9144000"/>
@@ -3701,7 +3702,7 @@
         </p:blipFill>
         <p:spPr>
           <a:xfrm rot="519258">
-            <a:off x="3144608" y="2543002"/>
+            <a:off x="3144608" y="2589655"/>
             <a:ext cx="6174286" cy="4630715"/>
           </a:xfrm>
           <a:prstGeom prst="rect">
@@ -4355,7 +4356,19 @@
             </a:pPr>
             <a:r>
               <a:rPr kumimoji="1" lang="ja-JP" altLang="en-US" dirty="0" smtClean="0"/>
-              <a:t>・時間制限</a:t>
+              <a:t>・時間</a:t>
+            </a:r>
+            <a:r>
+              <a:rPr kumimoji="1" lang="ja-JP" altLang="en-US" dirty="0" smtClean="0"/>
+              <a:t>制限</a:t>
+            </a:r>
+            <a:r>
+              <a:rPr kumimoji="1" lang="en-US" altLang="ja-JP" dirty="0" smtClean="0"/>
+              <a:t>					// </a:t>
+            </a:r>
+            <a:r>
+              <a:rPr kumimoji="1" lang="ja-JP" altLang="en-US" dirty="0" smtClean="0"/>
+              <a:t>完了</a:t>
             </a:r>
             <a:endParaRPr kumimoji="1" lang="en-US" altLang="ja-JP" dirty="0" smtClean="0"/>
           </a:p>
@@ -4365,7 +4378,19 @@
             </a:pPr>
             <a:r>
               <a:rPr lang="ja-JP" altLang="en-US" dirty="0" smtClean="0"/>
-              <a:t>・プレイヤーと塔は揺らす</a:t>
+              <a:t>・プレイヤーと塔は</a:t>
+            </a:r>
+            <a:r>
+              <a:rPr lang="ja-JP" altLang="en-US" dirty="0" smtClean="0"/>
+              <a:t>揺らす</a:t>
+            </a:r>
+            <a:r>
+              <a:rPr lang="en-US" altLang="ja-JP" dirty="0" smtClean="0"/>
+              <a:t>				// </a:t>
+            </a:r>
+            <a:r>
+              <a:rPr lang="ja-JP" altLang="en-US" dirty="0" smtClean="0"/>
+              <a:t>クラス完了</a:t>
             </a:r>
             <a:endParaRPr kumimoji="1" lang="en-US" altLang="ja-JP" dirty="0" smtClean="0"/>
           </a:p>
@@ -4379,8 +4404,13 @@
             </a:r>
             <a:r>
               <a:rPr lang="en-US" altLang="ja-JP" dirty="0" smtClean="0"/>
-              <a:t>UI</a:t>
-            </a:r>
+              <a:t>UI					// </a:t>
+            </a:r>
+            <a:r>
+              <a:rPr lang="ja-JP" altLang="en-US" dirty="0" smtClean="0"/>
+              <a:t>完了</a:t>
+            </a:r>
+            <a:endParaRPr lang="en-US" altLang="ja-JP" dirty="0" smtClean="0"/>
           </a:p>
           <a:p>
             <a:pPr marL="0" indent="0">
@@ -4416,8 +4446,13 @@
             </a:r>
             <a:r>
               <a:rPr lang="en-US" altLang="ja-JP" dirty="0" smtClean="0"/>
-              <a:t>)</a:t>
-            </a:r>
+              <a:t>)	// </a:t>
+            </a:r>
+            <a:r>
+              <a:rPr lang="ja-JP" altLang="en-US" dirty="0" smtClean="0"/>
+              <a:t>作業中</a:t>
+            </a:r>
+            <a:endParaRPr lang="en-US" altLang="ja-JP" dirty="0" smtClean="0"/>
           </a:p>
           <a:p>
             <a:pPr marL="0" indent="0">
@@ -4425,7 +4460,19 @@
             </a:pPr>
             <a:r>
               <a:rPr lang="ja-JP" altLang="en-US" dirty="0" smtClean="0"/>
-              <a:t>・塔のテクスチャ</a:t>
+              <a:t>・塔の</a:t>
+            </a:r>
+            <a:r>
+              <a:rPr lang="ja-JP" altLang="en-US" dirty="0" smtClean="0"/>
+              <a:t>テクスチャ</a:t>
+            </a:r>
+            <a:r>
+              <a:rPr lang="en-US" altLang="ja-JP" dirty="0" smtClean="0"/>
+              <a:t>					// </a:t>
+            </a:r>
+            <a:r>
+              <a:rPr lang="ja-JP" altLang="en-US" dirty="0" smtClean="0"/>
+              <a:t>完了</a:t>
             </a:r>
             <a:endParaRPr lang="en-US" altLang="ja-JP" dirty="0" smtClean="0"/>
           </a:p>
@@ -4435,7 +4482,19 @@
             </a:pPr>
             <a:r>
               <a:rPr lang="ja-JP" altLang="en-US" dirty="0" smtClean="0"/>
-              <a:t>・プレイヤーのテクスチャ</a:t>
+              <a:t>・プレイヤーの</a:t>
+            </a:r>
+            <a:r>
+              <a:rPr lang="ja-JP" altLang="en-US" dirty="0" smtClean="0"/>
+              <a:t>テクスチャ</a:t>
+            </a:r>
+            <a:r>
+              <a:rPr lang="en-US" altLang="ja-JP" dirty="0" smtClean="0"/>
+              <a:t>				// </a:t>
+            </a:r>
+            <a:r>
+              <a:rPr lang="ja-JP" altLang="en-US" dirty="0" smtClean="0"/>
+              <a:t>完了</a:t>
             </a:r>
             <a:endParaRPr lang="en-US" altLang="ja-JP" dirty="0" smtClean="0"/>
           </a:p>
@@ -4445,7 +4504,19 @@
             </a:pPr>
             <a:r>
               <a:rPr lang="ja-JP" altLang="en-US" dirty="0" smtClean="0"/>
-              <a:t>・操作説明の画像</a:t>
+              <a:t>・操作説明の</a:t>
+            </a:r>
+            <a:r>
+              <a:rPr lang="ja-JP" altLang="en-US" dirty="0" smtClean="0"/>
+              <a:t>画像</a:t>
+            </a:r>
+            <a:r>
+              <a:rPr lang="en-US" altLang="ja-JP" dirty="0" smtClean="0"/>
+              <a:t>					// </a:t>
+            </a:r>
+            <a:r>
+              <a:rPr lang="ja-JP" altLang="en-US" dirty="0" smtClean="0"/>
+              <a:t>作業中</a:t>
             </a:r>
             <a:endParaRPr lang="en-US" altLang="ja-JP" dirty="0"/>
           </a:p>
@@ -4455,7 +4526,19 @@
             </a:pPr>
             <a:r>
               <a:rPr lang="ja-JP" altLang="en-US" dirty="0" smtClean="0"/>
-              <a:t>・タイトルロゴ</a:t>
+              <a:t>・</a:t>
+            </a:r>
+            <a:r>
+              <a:rPr lang="ja-JP" altLang="en-US" dirty="0" smtClean="0"/>
+              <a:t>タイトルロゴ</a:t>
+            </a:r>
+            <a:r>
+              <a:rPr lang="en-US" altLang="ja-JP" dirty="0" smtClean="0"/>
+              <a:t>					// </a:t>
+            </a:r>
+            <a:r>
+              <a:rPr lang="ja-JP" altLang="en-US" dirty="0" smtClean="0"/>
+              <a:t>完了</a:t>
             </a:r>
             <a:endParaRPr lang="en-US" altLang="ja-JP" dirty="0" smtClean="0"/>
           </a:p>
@@ -4477,8 +4560,13 @@
             </a:r>
             <a:r>
               <a:rPr lang="en-US" altLang="ja-JP" dirty="0" smtClean="0"/>
-              <a:t>)</a:t>
-            </a:r>
+              <a:t>)	// </a:t>
+            </a:r>
+            <a:r>
+              <a:rPr lang="ja-JP" altLang="en-US" dirty="0" smtClean="0"/>
+              <a:t>完了</a:t>
+            </a:r>
+            <a:endParaRPr lang="en-US" altLang="ja-JP" dirty="0" smtClean="0"/>
           </a:p>
           <a:p>
             <a:pPr marL="0" indent="0">
@@ -4490,8 +4578,13 @@
             </a:r>
             <a:r>
               <a:rPr lang="en-US" altLang="ja-JP" dirty="0" smtClean="0"/>
-              <a:t>UI</a:t>
-            </a:r>
+              <a:t>UI					// </a:t>
+            </a:r>
+            <a:r>
+              <a:rPr lang="ja-JP" altLang="en-US" dirty="0" smtClean="0"/>
+              <a:t>完了</a:t>
+            </a:r>
+            <a:endParaRPr lang="en-US" altLang="ja-JP" dirty="0" smtClean="0"/>
           </a:p>
           <a:p>
             <a:pPr marL="0" indent="0">
@@ -4503,8 +4596,13 @@
             </a:r>
             <a:r>
               <a:rPr lang="en-US" altLang="ja-JP" dirty="0" smtClean="0"/>
-              <a:t>UI</a:t>
-            </a:r>
+              <a:t>UI						// </a:t>
+            </a:r>
+            <a:r>
+              <a:rPr lang="ja-JP" altLang="en-US" dirty="0" smtClean="0"/>
+              <a:t>多分いらない</a:t>
+            </a:r>
+            <a:endParaRPr lang="en-US" altLang="ja-JP" dirty="0" smtClean="0"/>
           </a:p>
           <a:p>
             <a:pPr marL="0" indent="0">
@@ -4524,8 +4622,13 @@
             </a:r>
             <a:r>
               <a:rPr lang="en-US" altLang="ja-JP" dirty="0" smtClean="0"/>
-              <a:t>)</a:t>
-            </a:r>
+              <a:t>)			// </a:t>
+            </a:r>
+            <a:r>
+              <a:rPr lang="ja-JP" altLang="en-US" dirty="0" smtClean="0"/>
+              <a:t>多分いらない</a:t>
+            </a:r>
+            <a:endParaRPr lang="en-US" altLang="ja-JP" dirty="0" smtClean="0"/>
           </a:p>
         </p:txBody>
       </p:sp>
@@ -4533,6 +4636,130 @@
     <p:extLst>
       <p:ext uri="{BB962C8B-B14F-4D97-AF65-F5344CB8AC3E}">
         <p14:creationId xmlns:p14="http://schemas.microsoft.com/office/powerpoint/2010/main" val="4216450220"/>
+      </p:ext>
+    </p:extLst>
+  </p:cSld>
+  <p:clrMapOvr>
+    <a:masterClrMapping/>
+  </p:clrMapOvr>
+</p:sld>
+</file>
+
+<file path=ppt/slides/slide5.xml><?xml version="1.0" encoding="utf-8"?>
+<p:sld xmlns:a="http://schemas.openxmlformats.org/drawingml/2006/main" xmlns:r="http://schemas.openxmlformats.org/officeDocument/2006/relationships" xmlns:p="http://schemas.openxmlformats.org/presentationml/2006/main">
+  <p:cSld>
+    <p:spTree>
+      <p:nvGrpSpPr>
+        <p:cNvPr id="1" name=""/>
+        <p:cNvGrpSpPr/>
+        <p:nvPr/>
+      </p:nvGrpSpPr>
+      <p:grpSpPr>
+        <a:xfrm>
+          <a:off x="0" y="0"/>
+          <a:ext cx="0" cy="0"/>
+          <a:chOff x="0" y="0"/>
+          <a:chExt cx="0" cy="0"/>
+        </a:xfrm>
+      </p:grpSpPr>
+      <p:sp>
+        <p:nvSpPr>
+          <p:cNvPr id="3" name="コンテンツ プレースホルダー 2"/>
+          <p:cNvSpPr>
+            <a:spLocks noGrp="1"/>
+          </p:cNvSpPr>
+          <p:nvPr>
+            <p:ph idx="1"/>
+          </p:nvPr>
+        </p:nvSpPr>
+        <p:spPr>
+          <a:xfrm>
+            <a:off x="0" y="0"/>
+            <a:ext cx="12192000" cy="6858000"/>
+          </a:xfrm>
+        </p:spPr>
+        <p:txBody>
+          <a:bodyPr/>
+          <a:lstStyle/>
+          <a:p>
+            <a:r>
+              <a:rPr kumimoji="1" lang="ja-JP" altLang="en-US" dirty="0" smtClean="0"/>
+              <a:t>音声素材</a:t>
+            </a:r>
+            <a:endParaRPr kumimoji="1" lang="en-US" altLang="ja-JP" dirty="0" smtClean="0"/>
+          </a:p>
+          <a:p>
+            <a:endParaRPr lang="en-US" altLang="ja-JP" dirty="0"/>
+          </a:p>
+          <a:p>
+            <a:pPr marL="0" indent="0">
+              <a:buNone/>
+            </a:pPr>
+            <a:r>
+              <a:rPr kumimoji="1" lang="ja-JP" altLang="en-US" dirty="0" smtClean="0"/>
+              <a:t>・ゲーム</a:t>
+            </a:r>
+            <a:r>
+              <a:rPr kumimoji="1" lang="en-US" altLang="ja-JP" dirty="0" smtClean="0"/>
+              <a:t>BGM</a:t>
+            </a:r>
+          </a:p>
+          <a:p>
+            <a:pPr marL="0" indent="0">
+              <a:buNone/>
+            </a:pPr>
+            <a:r>
+              <a:rPr lang="ja-JP" altLang="en-US" dirty="0" smtClean="0"/>
+              <a:t>・ボタン音</a:t>
+            </a:r>
+            <a:endParaRPr lang="en-US" altLang="ja-JP" dirty="0" smtClean="0"/>
+          </a:p>
+          <a:p>
+            <a:pPr marL="0" indent="0">
+              <a:buNone/>
+            </a:pPr>
+            <a:r>
+              <a:rPr kumimoji="1" lang="ja-JP" altLang="en-US" dirty="0" smtClean="0"/>
+              <a:t>・スタート音</a:t>
+            </a:r>
+            <a:endParaRPr kumimoji="1" lang="en-US" altLang="ja-JP" dirty="0" smtClean="0"/>
+          </a:p>
+          <a:p>
+            <a:pPr marL="0" indent="0">
+              <a:buNone/>
+            </a:pPr>
+            <a:r>
+              <a:rPr lang="ja-JP" altLang="en-US" dirty="0" smtClean="0"/>
+              <a:t>・終了音</a:t>
+            </a:r>
+            <a:endParaRPr lang="en-US" altLang="ja-JP" dirty="0" smtClean="0"/>
+          </a:p>
+          <a:p>
+            <a:pPr marL="0" indent="0">
+              <a:buNone/>
+            </a:pPr>
+            <a:r>
+              <a:rPr kumimoji="1" lang="ja-JP" altLang="en-US" dirty="0" smtClean="0"/>
+              <a:t>・勝利音</a:t>
+            </a:r>
+            <a:endParaRPr kumimoji="1" lang="en-US" altLang="ja-JP" dirty="0" smtClean="0"/>
+          </a:p>
+          <a:p>
+            <a:pPr marL="0" indent="0">
+              <a:buNone/>
+            </a:pPr>
+            <a:r>
+              <a:rPr lang="ja-JP" altLang="en-US" dirty="0"/>
+              <a:t>・</a:t>
+            </a:r>
+            <a:endParaRPr kumimoji="1" lang="ja-JP" altLang="en-US" dirty="0"/>
+          </a:p>
+        </p:txBody>
+      </p:sp>
+    </p:spTree>
+    <p:extLst>
+      <p:ext uri="{BB962C8B-B14F-4D97-AF65-F5344CB8AC3E}">
+        <p14:creationId xmlns:p14="http://schemas.microsoft.com/office/powerpoint/2010/main" val="792551802"/>
       </p:ext>
     </p:extLst>
   </p:cSld>

--- a/倒れる.pptx
+++ b/倒れる.pptx
@@ -4449,8 +4449,8 @@
               <a:t>)	// </a:t>
             </a:r>
             <a:r>
-              <a:rPr lang="ja-JP" altLang="en-US" dirty="0" smtClean="0"/>
-              <a:t>作業中</a:t>
+              <a:rPr lang="ja-JP" altLang="en-US" dirty="0"/>
+              <a:t>完了</a:t>
             </a:r>
             <a:endParaRPr lang="en-US" altLang="ja-JP" dirty="0" smtClean="0"/>
           </a:p>
@@ -4515,8 +4515,8 @@
               <a:t>					// </a:t>
             </a:r>
             <a:r>
-              <a:rPr lang="ja-JP" altLang="en-US" dirty="0" smtClean="0"/>
-              <a:t>作業中</a:t>
+              <a:rPr lang="ja-JP" altLang="en-US"/>
+              <a:t>完了</a:t>
             </a:r>
             <a:endParaRPr lang="en-US" altLang="ja-JP" dirty="0"/>
           </a:p>
